--- a/01_Intro/01-1_Intro.pptx
+++ b/01_Intro/01-1_Intro.pptx
@@ -5,10 +5,10 @@
     <p:sldMasterId id="2147483660" r:id="rId1"/>
   </p:sldMasterIdLst>
   <p:notesMasterIdLst>
-    <p:notesMasterId r:id="rId20"/>
+    <p:notesMasterId r:id="rId26"/>
   </p:notesMasterIdLst>
   <p:handoutMasterIdLst>
-    <p:handoutMasterId r:id="rId21"/>
+    <p:handoutMasterId r:id="rId27"/>
   </p:handoutMasterIdLst>
   <p:sldIdLst>
     <p:sldId id="256" r:id="rId2"/>
@@ -29,6 +29,12 @@
     <p:sldId id="343" r:id="rId17"/>
     <p:sldId id="344" r:id="rId18"/>
     <p:sldId id="340" r:id="rId19"/>
+    <p:sldId id="347" r:id="rId20"/>
+    <p:sldId id="346" r:id="rId21"/>
+    <p:sldId id="348" r:id="rId22"/>
+    <p:sldId id="349" r:id="rId23"/>
+    <p:sldId id="350" r:id="rId24"/>
+    <p:sldId id="351" r:id="rId25"/>
   </p:sldIdLst>
   <p:sldSz cx="9144000" cy="6858000" type="screen4x3"/>
   <p:notesSz cx="7010400" cy="9296400"/>
@@ -281,7 +287,7 @@
               <a:pPr>
                 <a:defRPr/>
               </a:pPr>
-              <a:t>9/28/2017</a:t>
+              <a:t>10/2/2017</a:t>
             </a:fld>
             <a:endParaRPr lang="en-US"/>
           </a:p>
@@ -482,7 +488,7 @@
               <a:pPr>
                 <a:defRPr/>
               </a:pPr>
-              <a:t>9/28/2017</a:t>
+              <a:t>10/2/2017</a:t>
             </a:fld>
             <a:endParaRPr lang="en-US" dirty="0"/>
           </a:p>
@@ -915,6 +921,104 @@
 </p:notes>
 </file>
 
+<file path=ppt/notesSlides/notesSlide10.xml><?xml version="1.0" encoding="utf-8"?>
+<p:notes xmlns:a="http://schemas.openxmlformats.org/drawingml/2006/main" xmlns:r="http://schemas.openxmlformats.org/officeDocument/2006/relationships" xmlns:p="http://schemas.openxmlformats.org/presentationml/2006/main">
+  <p:cSld>
+    <p:spTree>
+      <p:nvGrpSpPr>
+        <p:cNvPr id="1" name=""/>
+        <p:cNvGrpSpPr/>
+        <p:nvPr/>
+      </p:nvGrpSpPr>
+      <p:grpSpPr>
+        <a:xfrm>
+          <a:off x="0" y="0"/>
+          <a:ext cx="0" cy="0"/>
+          <a:chOff x="0" y="0"/>
+          <a:chExt cx="0" cy="0"/>
+        </a:xfrm>
+      </p:grpSpPr>
+      <p:sp>
+        <p:nvSpPr>
+          <p:cNvPr id="2" name="Slide Image Placeholder 1"/>
+          <p:cNvSpPr>
+            <a:spLocks noGrp="1" noRot="1" noChangeAspect="1"/>
+          </p:cNvSpPr>
+          <p:nvPr>
+            <p:ph type="sldImg"/>
+          </p:nvPr>
+        </p:nvSpPr>
+        <p:spPr/>
+      </p:sp>
+      <p:sp>
+        <p:nvSpPr>
+          <p:cNvPr id="3" name="Notes Placeholder 2"/>
+          <p:cNvSpPr>
+            <a:spLocks noGrp="1"/>
+          </p:cNvSpPr>
+          <p:nvPr>
+            <p:ph type="body" idx="1"/>
+          </p:nvPr>
+        </p:nvSpPr>
+        <p:spPr/>
+        <p:txBody>
+          <a:bodyPr/>
+          <a:lstStyle/>
+          <a:p>
+            <a:r>
+              <a:rPr lang="en-US" dirty="0" smtClean="0"/>
+              <a:t>See course notes</a:t>
+            </a:r>
+            <a:r>
+              <a:rPr lang="en-US" baseline="0" dirty="0" smtClean="0"/>
+              <a:t> 01-3</a:t>
+            </a:r>
+            <a:endParaRPr lang="en-US" dirty="0"/>
+          </a:p>
+        </p:txBody>
+      </p:sp>
+      <p:sp>
+        <p:nvSpPr>
+          <p:cNvPr id="4" name="Slide Number Placeholder 3"/>
+          <p:cNvSpPr>
+            <a:spLocks noGrp="1"/>
+          </p:cNvSpPr>
+          <p:nvPr>
+            <p:ph type="sldNum" sz="quarter" idx="10"/>
+          </p:nvPr>
+        </p:nvSpPr>
+        <p:spPr/>
+        <p:txBody>
+          <a:bodyPr/>
+          <a:lstStyle/>
+          <a:p>
+            <a:pPr>
+              <a:defRPr/>
+            </a:pPr>
+            <a:fld id="{1F6B3159-B396-4F1D-8D6C-858A85A1524C}" type="slidenum">
+              <a:rPr lang="en-US" smtClean="0"/>
+              <a:pPr>
+                <a:defRPr/>
+              </a:pPr>
+              <a:t>21</a:t>
+            </a:fld>
+            <a:endParaRPr lang="en-US" dirty="0"/>
+          </a:p>
+        </p:txBody>
+      </p:sp>
+    </p:spTree>
+    <p:extLst>
+      <p:ext uri="{BB962C8B-B14F-4D97-AF65-F5344CB8AC3E}">
+        <p14:creationId xmlns:p14="http://schemas.microsoft.com/office/powerpoint/2010/main" val="1342469894"/>
+      </p:ext>
+    </p:extLst>
+  </p:cSld>
+  <p:clrMapOvr>
+    <a:masterClrMapping/>
+  </p:clrMapOvr>
+</p:notes>
+</file>
+
 <file path=ppt/notesSlides/notesSlide2.xml><?xml version="1.0" encoding="utf-8"?>
 <p:notes xmlns:a="http://schemas.openxmlformats.org/drawingml/2006/main" xmlns:r="http://schemas.openxmlformats.org/officeDocument/2006/relationships" xmlns:p="http://schemas.openxmlformats.org/presentationml/2006/main">
   <p:cSld>
@@ -1402,11 +1506,7 @@
           <a:p>
             <a:r>
               <a:rPr lang="en-US" dirty="0" smtClean="0"/>
-              <a:t>(</a:t>
-            </a:r>
-            <a:r>
-              <a:rPr lang="en-US" dirty="0" smtClean="0"/>
-              <a:t>Computational) Big Challenges</a:t>
+              <a:t>(Computational) Big Challenges</a:t>
             </a:r>
           </a:p>
           <a:p>
@@ -1607,7 +1707,6 @@
               <a:rPr lang="en-US" baseline="0" dirty="0" smtClean="0"/>
               <a:t>Analysis of gaps; system performance</a:t>
             </a:r>
-            <a:endParaRPr lang="en-US" baseline="0" dirty="0" smtClean="0"/>
           </a:p>
           <a:p>
             <a:pPr marL="228600" indent="-228600">
@@ -1763,6 +1862,104 @@
     <p:extLst>
       <p:ext uri="{BB962C8B-B14F-4D97-AF65-F5344CB8AC3E}">
         <p14:creationId xmlns:p14="http://schemas.microsoft.com/office/powerpoint/2010/main" val="1872116850"/>
+      </p:ext>
+    </p:extLst>
+  </p:cSld>
+  <p:clrMapOvr>
+    <a:masterClrMapping/>
+  </p:clrMapOvr>
+</p:notes>
+</file>
+
+<file path=ppt/notesSlides/notesSlide9.xml><?xml version="1.0" encoding="utf-8"?>
+<p:notes xmlns:a="http://schemas.openxmlformats.org/drawingml/2006/main" xmlns:r="http://schemas.openxmlformats.org/officeDocument/2006/relationships" xmlns:p="http://schemas.openxmlformats.org/presentationml/2006/main">
+  <p:cSld>
+    <p:spTree>
+      <p:nvGrpSpPr>
+        <p:cNvPr id="1" name=""/>
+        <p:cNvGrpSpPr/>
+        <p:nvPr/>
+      </p:nvGrpSpPr>
+      <p:grpSpPr>
+        <a:xfrm>
+          <a:off x="0" y="0"/>
+          <a:ext cx="0" cy="0"/>
+          <a:chOff x="0" y="0"/>
+          <a:chExt cx="0" cy="0"/>
+        </a:xfrm>
+      </p:grpSpPr>
+      <p:sp>
+        <p:nvSpPr>
+          <p:cNvPr id="2" name="Slide Image Placeholder 1"/>
+          <p:cNvSpPr>
+            <a:spLocks noGrp="1" noRot="1" noChangeAspect="1"/>
+          </p:cNvSpPr>
+          <p:nvPr>
+            <p:ph type="sldImg"/>
+          </p:nvPr>
+        </p:nvSpPr>
+        <p:spPr/>
+      </p:sp>
+      <p:sp>
+        <p:nvSpPr>
+          <p:cNvPr id="3" name="Notes Placeholder 2"/>
+          <p:cNvSpPr>
+            <a:spLocks noGrp="1"/>
+          </p:cNvSpPr>
+          <p:nvPr>
+            <p:ph type="body" idx="1"/>
+          </p:nvPr>
+        </p:nvSpPr>
+        <p:spPr/>
+        <p:txBody>
+          <a:bodyPr/>
+          <a:lstStyle/>
+          <a:p>
+            <a:r>
+              <a:rPr lang="en-US" dirty="0" smtClean="0"/>
+              <a:t>See course notes</a:t>
+            </a:r>
+            <a:r>
+              <a:rPr lang="en-US" baseline="0" dirty="0" smtClean="0"/>
+              <a:t> 01-2</a:t>
+            </a:r>
+            <a:endParaRPr lang="en-US" dirty="0"/>
+          </a:p>
+        </p:txBody>
+      </p:sp>
+      <p:sp>
+        <p:nvSpPr>
+          <p:cNvPr id="4" name="Slide Number Placeholder 3"/>
+          <p:cNvSpPr>
+            <a:spLocks noGrp="1"/>
+          </p:cNvSpPr>
+          <p:nvPr>
+            <p:ph type="sldNum" sz="quarter" idx="10"/>
+          </p:nvPr>
+        </p:nvSpPr>
+        <p:spPr/>
+        <p:txBody>
+          <a:bodyPr/>
+          <a:lstStyle/>
+          <a:p>
+            <a:pPr>
+              <a:defRPr/>
+            </a:pPr>
+            <a:fld id="{1F6B3159-B396-4F1D-8D6C-858A85A1524C}" type="slidenum">
+              <a:rPr lang="en-US" smtClean="0"/>
+              <a:pPr>
+                <a:defRPr/>
+              </a:pPr>
+              <a:t>19</a:t>
+            </a:fld>
+            <a:endParaRPr lang="en-US" dirty="0"/>
+          </a:p>
+        </p:txBody>
+      </p:sp>
+    </p:spTree>
+    <p:extLst>
+      <p:ext uri="{BB962C8B-B14F-4D97-AF65-F5344CB8AC3E}">
+        <p14:creationId xmlns:p14="http://schemas.microsoft.com/office/powerpoint/2010/main" val="2720621420"/>
       </p:ext>
     </p:extLst>
   </p:cSld>
@@ -3342,17 +3539,7 @@
                 <a:latin typeface="Times New Roman" pitchFamily="18" charset="0"/>
                 <a:cs typeface="Times New Roman" pitchFamily="18" charset="0"/>
               </a:rPr>
-              <a:t>02 October </a:t>
-            </a:r>
-            <a:r>
-              <a:rPr lang="en-US" dirty="0" smtClean="0">
-                <a:solidFill>
-                  <a:srgbClr val="000066"/>
-                </a:solidFill>
-                <a:latin typeface="Times New Roman" pitchFamily="18" charset="0"/>
-                <a:cs typeface="Times New Roman" pitchFamily="18" charset="0"/>
-              </a:rPr>
-              <a:t>2017</a:t>
+              <a:t>02 October 2017</a:t>
             </a:r>
             <a:endParaRPr lang="en-US" sz="1600" dirty="0">
               <a:solidFill>
@@ -3599,7 +3786,6 @@
               <a:rPr lang="en-US" dirty="0"/>
               <a:t>.</a:t>
             </a:r>
-            <a:endParaRPr lang="en-US" dirty="0"/>
           </a:p>
         </p:txBody>
       </p:sp>
@@ -3622,7 +3808,6 @@
               <a:rPr lang="en-US" dirty="0" smtClean="0"/>
               <a:t>Ethics</a:t>
             </a:r>
-            <a:endParaRPr lang="en-US" dirty="0" smtClean="0"/>
           </a:p>
         </p:txBody>
       </p:sp>
@@ -3830,7 +4015,6 @@
               <a:rPr lang="en-US" dirty="0"/>
               <a:t>of their various professions.</a:t>
             </a:r>
-            <a:endParaRPr lang="en-US" dirty="0"/>
           </a:p>
         </p:txBody>
       </p:sp>
@@ -3853,7 +4037,6 @@
               <a:rPr lang="en-US" dirty="0" smtClean="0"/>
               <a:t>Ethics</a:t>
             </a:r>
-            <a:endParaRPr lang="en-US" dirty="0" smtClean="0"/>
           </a:p>
         </p:txBody>
       </p:sp>
@@ -4270,7 +4453,6 @@
               <a:rPr lang="en-US" dirty="0" smtClean="0"/>
               <a:t>Computational Resources</a:t>
             </a:r>
-            <a:endParaRPr lang="en-US" dirty="0" smtClean="0"/>
           </a:p>
         </p:txBody>
       </p:sp>
@@ -4744,7 +4926,6 @@
               <a:rPr lang="en-US" sz="2100" dirty="0"/>
               <a:t> Engineering judgement</a:t>
             </a:r>
-            <a:endParaRPr lang="en-US" sz="2100" dirty="0"/>
           </a:p>
         </p:txBody>
       </p:sp>
@@ -4980,7 +5161,6 @@
               <a:rPr lang="en-US" sz="1800" dirty="0"/>
               <a:t> Cryptography</a:t>
             </a:r>
-            <a:endParaRPr lang="en-US" sz="1800" dirty="0"/>
           </a:p>
         </p:txBody>
       </p:sp>
@@ -5070,7 +5250,6 @@
               <a:rPr lang="en-US" dirty="0" smtClean="0"/>
               <a:t>What Are We Trying to Accomplish?</a:t>
             </a:r>
-            <a:endParaRPr lang="en-US" dirty="0" smtClean="0"/>
           </a:p>
         </p:txBody>
       </p:sp>
@@ -5142,21 +5321,71 @@
             </a:r>
           </a:p>
           <a:p>
+            <a:pPr marL="512763" indent="-342900">
+              <a:buNone/>
+            </a:pPr>
+            <a:r>
+              <a:rPr lang="en-US" dirty="0" smtClean="0"/>
+              <a:t>1. </a:t>
+            </a:r>
+            <a:r>
+              <a:rPr lang="en-US" dirty="0" smtClean="0"/>
+              <a:t>Preventing </a:t>
+            </a:r>
+            <a:r>
+              <a:rPr lang="en-US" dirty="0"/>
+              <a:t>nuclear proliferation and nuclear terrorism</a:t>
+            </a:r>
+            <a:r>
+              <a:rPr lang="en-US" dirty="0" smtClean="0"/>
+              <a:t>;</a:t>
+            </a:r>
+            <a:endParaRPr lang="en-US" dirty="0"/>
+          </a:p>
+          <a:p>
+            <a:pPr marL="512763" indent="-342900">
+              <a:buNone/>
+            </a:pPr>
+            <a:r>
+              <a:rPr lang="en-US" dirty="0"/>
+              <a:t>2. Reducing the role of U.S. nuclear weapons in U.S. national security strategy;</a:t>
+            </a:r>
+          </a:p>
+          <a:p>
+            <a:pPr marL="512763" indent="-342900">
+              <a:buNone/>
+            </a:pPr>
+            <a:r>
+              <a:rPr lang="en-US" dirty="0"/>
+              <a:t>3. Maintaining strategic deterrence and stability at reduced nuclear force levels;</a:t>
+            </a:r>
+          </a:p>
+          <a:p>
+            <a:pPr marL="512763" indent="-342900">
+              <a:buNone/>
+            </a:pPr>
+            <a:r>
+              <a:rPr lang="en-US" dirty="0"/>
+              <a:t>4. Strengthening regional deterrence and reassuring U.S. allies and partners; and</a:t>
+            </a:r>
+          </a:p>
+          <a:p>
+            <a:pPr marL="512763" indent="-342900">
+              <a:buNone/>
+            </a:pPr>
+            <a:r>
+              <a:rPr lang="en-US" dirty="0"/>
+              <a:t>5. Sustaining a safe, secure, and effective nuclear arsenal</a:t>
+            </a:r>
+            <a:r>
+              <a:rPr lang="en-US" dirty="0" smtClean="0"/>
+              <a:t>.</a:t>
+            </a:r>
+          </a:p>
+          <a:p>
             <a:pPr marL="0" indent="0">
               <a:buNone/>
             </a:pPr>
-            <a:r>
-              <a:rPr lang="en-US" dirty="0" smtClean="0"/>
-              <a:t>1. Preventing </a:t>
-            </a:r>
-            <a:r>
-              <a:rPr lang="en-US" dirty="0"/>
-              <a:t>nuclear proliferation and nuclear terrorism</a:t>
-            </a:r>
-            <a:r>
-              <a:rPr lang="en-US" dirty="0" smtClean="0"/>
-              <a:t>;</a:t>
-            </a:r>
             <a:endParaRPr lang="en-US" dirty="0"/>
           </a:p>
           <a:p>
@@ -5164,52 +5393,6 @@
               <a:buNone/>
             </a:pPr>
             <a:r>
-              <a:rPr lang="en-US" dirty="0"/>
-              <a:t>2. Reducing the role of U.S. nuclear weapons in U.S. national security strategy;</a:t>
-            </a:r>
-          </a:p>
-          <a:p>
-            <a:pPr marL="0" indent="0">
-              <a:buNone/>
-            </a:pPr>
-            <a:r>
-              <a:rPr lang="en-US" dirty="0"/>
-              <a:t>3. Maintaining strategic deterrence and stability at reduced nuclear force levels;</a:t>
-            </a:r>
-          </a:p>
-          <a:p>
-            <a:pPr marL="0" indent="0">
-              <a:buNone/>
-            </a:pPr>
-            <a:r>
-              <a:rPr lang="en-US" dirty="0"/>
-              <a:t>4. Strengthening regional deterrence and reassuring U.S. allies and partners; and</a:t>
-            </a:r>
-          </a:p>
-          <a:p>
-            <a:pPr marL="0" indent="0">
-              <a:buNone/>
-            </a:pPr>
-            <a:r>
-              <a:rPr lang="en-US" dirty="0"/>
-              <a:t>5. Sustaining a safe, secure, and effective nuclear arsenal</a:t>
-            </a:r>
-            <a:r>
-              <a:rPr lang="en-US" dirty="0" smtClean="0"/>
-              <a:t>.</a:t>
-            </a:r>
-          </a:p>
-          <a:p>
-            <a:pPr marL="0" indent="0">
-              <a:buNone/>
-            </a:pPr>
-            <a:endParaRPr lang="en-US" dirty="0"/>
-          </a:p>
-          <a:p>
-            <a:pPr marL="0" indent="0">
-              <a:buNone/>
-            </a:pPr>
-            <a:r>
               <a:rPr lang="en-US" dirty="0" smtClean="0"/>
               <a:t>* Monitoring international treaty compliance</a:t>
             </a:r>
@@ -5221,7 +5404,6 @@
               <a:rPr lang="en-US" dirty="0" smtClean="0"/>
               <a:t>	</a:t>
             </a:r>
-            <a:endParaRPr lang="en-US" dirty="0" smtClean="0"/>
           </a:p>
         </p:txBody>
       </p:sp>
@@ -5691,6 +5873,96 @@
 </p:sld>
 </file>
 
+<file path=ppt/slides/slide19.xml><?xml version="1.0" encoding="utf-8"?>
+<p:sld xmlns:a="http://schemas.openxmlformats.org/drawingml/2006/main" xmlns:r="http://schemas.openxmlformats.org/officeDocument/2006/relationships" xmlns:p="http://schemas.openxmlformats.org/presentationml/2006/main">
+  <p:cSld>
+    <p:spTree>
+      <p:nvGrpSpPr>
+        <p:cNvPr id="1" name=""/>
+        <p:cNvGrpSpPr/>
+        <p:nvPr/>
+      </p:nvGrpSpPr>
+      <p:grpSpPr>
+        <a:xfrm>
+          <a:off x="0" y="0"/>
+          <a:ext cx="0" cy="0"/>
+          <a:chOff x="0" y="0"/>
+          <a:chExt cx="0" cy="0"/>
+        </a:xfrm>
+      </p:grpSpPr>
+      <p:sp>
+        <p:nvSpPr>
+          <p:cNvPr id="2" name="Title 1"/>
+          <p:cNvSpPr>
+            <a:spLocks noGrp="1"/>
+          </p:cNvSpPr>
+          <p:nvPr>
+            <p:ph type="title"/>
+          </p:nvPr>
+        </p:nvSpPr>
+        <p:spPr/>
+        <p:txBody>
+          <a:bodyPr/>
+          <a:lstStyle/>
+          <a:p>
+            <a:r>
+              <a:rPr lang="en-US" dirty="0" smtClean="0"/>
+              <a:t>Transport Approaches</a:t>
+            </a:r>
+            <a:endParaRPr lang="en-US" dirty="0"/>
+          </a:p>
+        </p:txBody>
+      </p:sp>
+      <p:sp>
+        <p:nvSpPr>
+          <p:cNvPr id="4" name="Slide Number Placeholder 3"/>
+          <p:cNvSpPr>
+            <a:spLocks noGrp="1"/>
+          </p:cNvSpPr>
+          <p:nvPr>
+            <p:ph type="sldNum" sz="quarter" idx="10"/>
+          </p:nvPr>
+        </p:nvSpPr>
+        <p:spPr/>
+        <p:txBody>
+          <a:bodyPr/>
+          <a:lstStyle/>
+          <a:p>
+            <a:pPr>
+              <a:defRPr/>
+            </a:pPr>
+            <a:fld id="{19845459-3F1B-4F43-8FC0-35ADCE8623CC}" type="slidenum">
+              <a:rPr lang="en-US" smtClean="0"/>
+              <a:pPr>
+                <a:defRPr/>
+              </a:pPr>
+              <a:t>19</a:t>
+            </a:fld>
+            <a:endParaRPr lang="en-US"/>
+          </a:p>
+        </p:txBody>
+      </p:sp>
+    </p:spTree>
+    <p:extLst>
+      <p:ext uri="{BB962C8B-B14F-4D97-AF65-F5344CB8AC3E}">
+        <p14:creationId xmlns:p14="http://schemas.microsoft.com/office/powerpoint/2010/main" val="1025411858"/>
+      </p:ext>
+    </p:extLst>
+  </p:cSld>
+  <p:clrMapOvr>
+    <a:masterClrMapping/>
+  </p:clrMapOvr>
+  <p:transition/>
+  <p:timing>
+    <p:tnLst>
+      <p:par>
+        <p:cTn id="1" dur="indefinite" restart="never" nodeType="tmRoot"/>
+      </p:par>
+    </p:tnLst>
+  </p:timing>
+</p:sld>
+</file>
+
 <file path=ppt/slides/slide2.xml><?xml version="1.0" encoding="utf-8"?>
 <p:sld xmlns:a="http://schemas.openxmlformats.org/drawingml/2006/main" xmlns:r="http://schemas.openxmlformats.org/officeDocument/2006/relationships" xmlns:p="http://schemas.openxmlformats.org/presentationml/2006/main">
   <p:cSld>
@@ -5727,7 +5999,6 @@
               <a:rPr lang="en-US" dirty="0" smtClean="0"/>
               <a:t>Outline</a:t>
             </a:r>
-            <a:endParaRPr lang="en-US" dirty="0" smtClean="0"/>
           </a:p>
         </p:txBody>
       </p:sp>
@@ -5796,22 +6067,68 @@
             </a:r>
           </a:p>
           <a:p>
+            <a:endParaRPr lang="en-US" sz="1200" dirty="0" smtClean="0"/>
+          </a:p>
+          <a:p>
             <a:r>
               <a:rPr lang="en-US" dirty="0" smtClean="0"/>
               <a:t>Syllabus </a:t>
             </a:r>
-          </a:p>
-          <a:p>
-            <a:r>
-              <a:rPr lang="en-US" dirty="0" smtClean="0"/>
-              <a:t>Computational Resources</a:t>
-            </a:r>
-          </a:p>
-          <a:p>
-            <a:r>
-              <a:rPr lang="en-US" dirty="0" smtClean="0"/>
-              <a:t>Course Preview &amp; Context</a:t>
-            </a:r>
+            <a:endParaRPr lang="en-US" dirty="0" smtClean="0"/>
+          </a:p>
+          <a:p>
+            <a:endParaRPr lang="en-US" sz="1200" dirty="0" smtClean="0"/>
+          </a:p>
+          <a:p>
+            <a:r>
+              <a:rPr lang="en-US" dirty="0" smtClean="0"/>
+              <a:t>Computational </a:t>
+            </a:r>
+            <a:r>
+              <a:rPr lang="en-US" dirty="0" smtClean="0"/>
+              <a:t>Resources</a:t>
+            </a:r>
+          </a:p>
+          <a:p>
+            <a:endParaRPr lang="en-US" sz="1200" dirty="0" smtClean="0"/>
+          </a:p>
+          <a:p>
+            <a:r>
+              <a:rPr lang="en-US" dirty="0" smtClean="0"/>
+              <a:t>What are we doing here?</a:t>
+            </a:r>
+          </a:p>
+          <a:p>
+            <a:endParaRPr lang="en-US" sz="1200" dirty="0" smtClean="0"/>
+          </a:p>
+          <a:p>
+            <a:r>
+              <a:rPr lang="en-US" dirty="0" smtClean="0"/>
+              <a:t>Neutral Particle Transport Approaches</a:t>
+            </a:r>
+          </a:p>
+          <a:p>
+            <a:endParaRPr lang="en-US" sz="1200" dirty="0" smtClean="0"/>
+          </a:p>
+          <a:p>
+            <a:r>
+              <a:rPr lang="en-US" dirty="0" smtClean="0"/>
+              <a:t>Course Preview &amp; </a:t>
+            </a:r>
+            <a:r>
+              <a:rPr lang="en-US" dirty="0" smtClean="0"/>
+              <a:t>Context</a:t>
+            </a:r>
+          </a:p>
+          <a:p>
+            <a:endParaRPr lang="en-US" sz="1200" dirty="0" smtClean="0"/>
+          </a:p>
+          <a:p>
+            <a:r>
+              <a:rPr lang="en-US" dirty="0" smtClean="0"/>
+              <a:t>Numerical Error</a:t>
+            </a:r>
+            <a:endParaRPr lang="en-US" dirty="0" smtClean="0"/>
           </a:p>
           <a:p>
             <a:endParaRPr lang="en-US" dirty="0" smtClean="0"/>
@@ -5831,7 +6148,6 @@
               <a:rPr lang="en-US" dirty="0" smtClean="0"/>
               <a:t>	</a:t>
             </a:r>
-            <a:endParaRPr lang="en-US" dirty="0" smtClean="0"/>
           </a:p>
         </p:txBody>
       </p:sp>
@@ -5875,6 +6191,558 @@
         </p:txBody>
       </p:sp>
     </p:spTree>
+  </p:cSld>
+  <p:clrMapOvr>
+    <a:masterClrMapping/>
+  </p:clrMapOvr>
+  <p:transition/>
+  <p:timing>
+    <p:tnLst>
+      <p:par>
+        <p:cTn id="1" dur="indefinite" restart="never" nodeType="tmRoot"/>
+      </p:par>
+    </p:tnLst>
+  </p:timing>
+</p:sld>
+</file>
+
+<file path=ppt/slides/slide20.xml><?xml version="1.0" encoding="utf-8"?>
+<p:sld xmlns:a="http://schemas.openxmlformats.org/drawingml/2006/main" xmlns:r="http://schemas.openxmlformats.org/officeDocument/2006/relationships" xmlns:p="http://schemas.openxmlformats.org/presentationml/2006/main">
+  <p:cSld>
+    <p:spTree>
+      <p:nvGrpSpPr>
+        <p:cNvPr id="1" name=""/>
+        <p:cNvGrpSpPr/>
+        <p:nvPr/>
+      </p:nvGrpSpPr>
+      <p:grpSpPr>
+        <a:xfrm>
+          <a:off x="0" y="0"/>
+          <a:ext cx="0" cy="0"/>
+          <a:chOff x="0" y="0"/>
+          <a:chExt cx="0" cy="0"/>
+        </a:xfrm>
+      </p:grpSpPr>
+      <p:sp>
+        <p:nvSpPr>
+          <p:cNvPr id="2" name="Title 1"/>
+          <p:cNvSpPr>
+            <a:spLocks noGrp="1"/>
+          </p:cNvSpPr>
+          <p:nvPr>
+            <p:ph type="title"/>
+          </p:nvPr>
+        </p:nvSpPr>
+        <p:spPr/>
+        <p:txBody>
+          <a:bodyPr/>
+          <a:lstStyle/>
+          <a:p>
+            <a:r>
+              <a:rPr lang="en-US" sz="3200" dirty="0" smtClean="0"/>
+              <a:t>Quick Note on Cross-Sections</a:t>
+            </a:r>
+            <a:endParaRPr lang="en-US" sz="3200" dirty="0"/>
+          </a:p>
+        </p:txBody>
+      </p:sp>
+      <p:sp>
+        <p:nvSpPr>
+          <p:cNvPr id="4" name="Slide Number Placeholder 3"/>
+          <p:cNvSpPr>
+            <a:spLocks noGrp="1"/>
+          </p:cNvSpPr>
+          <p:nvPr>
+            <p:ph type="sldNum" sz="quarter" idx="10"/>
+          </p:nvPr>
+        </p:nvSpPr>
+        <p:spPr/>
+        <p:txBody>
+          <a:bodyPr/>
+          <a:lstStyle/>
+          <a:p>
+            <a:pPr>
+              <a:defRPr/>
+            </a:pPr>
+            <a:fld id="{19845459-3F1B-4F43-8FC0-35ADCE8623CC}" type="slidenum">
+              <a:rPr lang="en-US" smtClean="0"/>
+              <a:pPr>
+                <a:defRPr/>
+              </a:pPr>
+              <a:t>20</a:t>
+            </a:fld>
+            <a:endParaRPr lang="en-US"/>
+          </a:p>
+        </p:txBody>
+      </p:sp>
+      <p:pic>
+        <p:nvPicPr>
+          <p:cNvPr id="5" name="Picture 4"/>
+          <p:cNvPicPr>
+            <a:picLocks noChangeAspect="1"/>
+          </p:cNvPicPr>
+          <p:nvPr/>
+        </p:nvPicPr>
+        <p:blipFill>
+          <a:blip r:embed="rId2"/>
+          <a:stretch>
+            <a:fillRect/>
+          </a:stretch>
+        </p:blipFill>
+        <p:spPr>
+          <a:xfrm>
+            <a:off x="381000" y="1295400"/>
+            <a:ext cx="8229600" cy="4950875"/>
+          </a:xfrm>
+          <a:prstGeom prst="rect">
+            <a:avLst/>
+          </a:prstGeom>
+        </p:spPr>
+      </p:pic>
+    </p:spTree>
+    <p:extLst>
+      <p:ext uri="{BB962C8B-B14F-4D97-AF65-F5344CB8AC3E}">
+        <p14:creationId xmlns:p14="http://schemas.microsoft.com/office/powerpoint/2010/main" val="187339202"/>
+      </p:ext>
+    </p:extLst>
+  </p:cSld>
+  <p:clrMapOvr>
+    <a:masterClrMapping/>
+  </p:clrMapOvr>
+  <p:transition/>
+  <p:timing>
+    <p:tnLst>
+      <p:par>
+        <p:cTn id="1" dur="indefinite" restart="never" nodeType="tmRoot"/>
+      </p:par>
+    </p:tnLst>
+  </p:timing>
+</p:sld>
+</file>
+
+<file path=ppt/slides/slide21.xml><?xml version="1.0" encoding="utf-8"?>
+<p:sld xmlns:a="http://schemas.openxmlformats.org/drawingml/2006/main" xmlns:r="http://schemas.openxmlformats.org/officeDocument/2006/relationships" xmlns:p="http://schemas.openxmlformats.org/presentationml/2006/main">
+  <p:cSld>
+    <p:spTree>
+      <p:nvGrpSpPr>
+        <p:cNvPr id="1" name=""/>
+        <p:cNvGrpSpPr/>
+        <p:nvPr/>
+      </p:nvGrpSpPr>
+      <p:grpSpPr>
+        <a:xfrm>
+          <a:off x="0" y="0"/>
+          <a:ext cx="0" cy="0"/>
+          <a:chOff x="0" y="0"/>
+          <a:chExt cx="0" cy="0"/>
+        </a:xfrm>
+      </p:grpSpPr>
+      <p:sp>
+        <p:nvSpPr>
+          <p:cNvPr id="2" name="Title 1"/>
+          <p:cNvSpPr>
+            <a:spLocks noGrp="1"/>
+          </p:cNvSpPr>
+          <p:nvPr>
+            <p:ph type="title"/>
+          </p:nvPr>
+        </p:nvSpPr>
+        <p:spPr/>
+        <p:txBody>
+          <a:bodyPr/>
+          <a:lstStyle/>
+          <a:p>
+            <a:r>
+              <a:rPr lang="en-US" dirty="0" smtClean="0"/>
+              <a:t>Context</a:t>
+            </a:r>
+            <a:endParaRPr lang="en-US" dirty="0"/>
+          </a:p>
+        </p:txBody>
+      </p:sp>
+      <p:sp>
+        <p:nvSpPr>
+          <p:cNvPr id="4" name="Slide Number Placeholder 3"/>
+          <p:cNvSpPr>
+            <a:spLocks noGrp="1"/>
+          </p:cNvSpPr>
+          <p:nvPr>
+            <p:ph type="sldNum" sz="quarter" idx="10"/>
+          </p:nvPr>
+        </p:nvSpPr>
+        <p:spPr/>
+        <p:txBody>
+          <a:bodyPr/>
+          <a:lstStyle/>
+          <a:p>
+            <a:pPr>
+              <a:defRPr/>
+            </a:pPr>
+            <a:fld id="{19845459-3F1B-4F43-8FC0-35ADCE8623CC}" type="slidenum">
+              <a:rPr lang="en-US" smtClean="0"/>
+              <a:pPr>
+                <a:defRPr/>
+              </a:pPr>
+              <a:t>21</a:t>
+            </a:fld>
+            <a:endParaRPr lang="en-US"/>
+          </a:p>
+        </p:txBody>
+      </p:sp>
+    </p:spTree>
+    <p:extLst>
+      <p:ext uri="{BB962C8B-B14F-4D97-AF65-F5344CB8AC3E}">
+        <p14:creationId xmlns:p14="http://schemas.microsoft.com/office/powerpoint/2010/main" val="2759775391"/>
+      </p:ext>
+    </p:extLst>
+  </p:cSld>
+  <p:clrMapOvr>
+    <a:masterClrMapping/>
+  </p:clrMapOvr>
+  <p:transition/>
+  <p:timing>
+    <p:tnLst>
+      <p:par>
+        <p:cTn id="1" dur="indefinite" restart="never" nodeType="tmRoot"/>
+      </p:par>
+    </p:tnLst>
+  </p:timing>
+</p:sld>
+</file>
+
+<file path=ppt/slides/slide22.xml><?xml version="1.0" encoding="utf-8"?>
+<p:sld xmlns:a="http://schemas.openxmlformats.org/drawingml/2006/main" xmlns:r="http://schemas.openxmlformats.org/officeDocument/2006/relationships" xmlns:p="http://schemas.openxmlformats.org/presentationml/2006/main">
+  <p:cSld>
+    <p:spTree>
+      <p:nvGrpSpPr>
+        <p:cNvPr id="1" name=""/>
+        <p:cNvGrpSpPr/>
+        <p:nvPr/>
+      </p:nvGrpSpPr>
+      <p:grpSpPr>
+        <a:xfrm>
+          <a:off x="0" y="0"/>
+          <a:ext cx="0" cy="0"/>
+          <a:chOff x="0" y="0"/>
+          <a:chExt cx="0" cy="0"/>
+        </a:xfrm>
+      </p:grpSpPr>
+      <p:sp>
+        <p:nvSpPr>
+          <p:cNvPr id="2" name="Title 1"/>
+          <p:cNvSpPr>
+            <a:spLocks noGrp="1"/>
+          </p:cNvSpPr>
+          <p:nvPr>
+            <p:ph type="title"/>
+          </p:nvPr>
+        </p:nvSpPr>
+        <p:spPr/>
+        <p:txBody>
+          <a:bodyPr/>
+          <a:lstStyle/>
+          <a:p>
+            <a:r>
+              <a:rPr lang="en-US" dirty="0" smtClean="0"/>
+              <a:t>PWR Assembly</a:t>
+            </a:r>
+            <a:endParaRPr lang="en-US" dirty="0"/>
+          </a:p>
+        </p:txBody>
+      </p:sp>
+      <p:sp>
+        <p:nvSpPr>
+          <p:cNvPr id="4" name="Slide Number Placeholder 3"/>
+          <p:cNvSpPr>
+            <a:spLocks noGrp="1"/>
+          </p:cNvSpPr>
+          <p:nvPr>
+            <p:ph type="sldNum" sz="quarter" idx="10"/>
+          </p:nvPr>
+        </p:nvSpPr>
+        <p:spPr/>
+        <p:txBody>
+          <a:bodyPr/>
+          <a:lstStyle/>
+          <a:p>
+            <a:pPr>
+              <a:defRPr/>
+            </a:pPr>
+            <a:fld id="{19845459-3F1B-4F43-8FC0-35ADCE8623CC}" type="slidenum">
+              <a:rPr lang="en-US" smtClean="0"/>
+              <a:pPr>
+                <a:defRPr/>
+              </a:pPr>
+              <a:t>22</a:t>
+            </a:fld>
+            <a:endParaRPr lang="en-US"/>
+          </a:p>
+        </p:txBody>
+      </p:sp>
+      <p:pic>
+        <p:nvPicPr>
+          <p:cNvPr id="5" name="Picture 4"/>
+          <p:cNvPicPr>
+            <a:picLocks noChangeAspect="1"/>
+          </p:cNvPicPr>
+          <p:nvPr/>
+        </p:nvPicPr>
+        <p:blipFill>
+          <a:blip r:embed="rId2"/>
+          <a:stretch>
+            <a:fillRect/>
+          </a:stretch>
+        </p:blipFill>
+        <p:spPr>
+          <a:xfrm>
+            <a:off x="228600" y="1600200"/>
+            <a:ext cx="8385249" cy="4539192"/>
+          </a:xfrm>
+          <a:prstGeom prst="rect">
+            <a:avLst/>
+          </a:prstGeom>
+        </p:spPr>
+      </p:pic>
+    </p:spTree>
+    <p:extLst>
+      <p:ext uri="{BB962C8B-B14F-4D97-AF65-F5344CB8AC3E}">
+        <p14:creationId xmlns:p14="http://schemas.microsoft.com/office/powerpoint/2010/main" val="871700657"/>
+      </p:ext>
+    </p:extLst>
+  </p:cSld>
+  <p:clrMapOvr>
+    <a:masterClrMapping/>
+  </p:clrMapOvr>
+  <p:transition/>
+  <p:timing>
+    <p:tnLst>
+      <p:par>
+        <p:cTn id="1" dur="indefinite" restart="never" nodeType="tmRoot"/>
+      </p:par>
+    </p:tnLst>
+  </p:timing>
+</p:sld>
+</file>
+
+<file path=ppt/slides/slide23.xml><?xml version="1.0" encoding="utf-8"?>
+<p:sld xmlns:a="http://schemas.openxmlformats.org/drawingml/2006/main" xmlns:r="http://schemas.openxmlformats.org/officeDocument/2006/relationships" xmlns:p="http://schemas.openxmlformats.org/presentationml/2006/main">
+  <p:cSld>
+    <p:spTree>
+      <p:nvGrpSpPr>
+        <p:cNvPr id="1" name=""/>
+        <p:cNvGrpSpPr/>
+        <p:nvPr/>
+      </p:nvGrpSpPr>
+      <p:grpSpPr>
+        <a:xfrm>
+          <a:off x="0" y="0"/>
+          <a:ext cx="0" cy="0"/>
+          <a:chOff x="0" y="0"/>
+          <a:chExt cx="0" cy="0"/>
+        </a:xfrm>
+      </p:grpSpPr>
+      <p:sp>
+        <p:nvSpPr>
+          <p:cNvPr id="2" name="Title 1"/>
+          <p:cNvSpPr>
+            <a:spLocks noGrp="1"/>
+          </p:cNvSpPr>
+          <p:nvPr>
+            <p:ph type="title"/>
+          </p:nvPr>
+        </p:nvSpPr>
+        <p:spPr/>
+        <p:txBody>
+          <a:bodyPr/>
+          <a:lstStyle/>
+          <a:p>
+            <a:r>
+              <a:rPr lang="en-US" smtClean="0"/>
+              <a:t>PWR</a:t>
+            </a:r>
+            <a:endParaRPr lang="en-US" dirty="0"/>
+          </a:p>
+        </p:txBody>
+      </p:sp>
+      <p:sp>
+        <p:nvSpPr>
+          <p:cNvPr id="4" name="Slide Number Placeholder 3"/>
+          <p:cNvSpPr>
+            <a:spLocks noGrp="1"/>
+          </p:cNvSpPr>
+          <p:nvPr>
+            <p:ph type="sldNum" sz="quarter" idx="10"/>
+          </p:nvPr>
+        </p:nvSpPr>
+        <p:spPr/>
+        <p:txBody>
+          <a:bodyPr/>
+          <a:lstStyle/>
+          <a:p>
+            <a:pPr>
+              <a:defRPr/>
+            </a:pPr>
+            <a:fld id="{19845459-3F1B-4F43-8FC0-35ADCE8623CC}" type="slidenum">
+              <a:rPr lang="en-US" smtClean="0"/>
+              <a:pPr>
+                <a:defRPr/>
+              </a:pPr>
+              <a:t>23</a:t>
+            </a:fld>
+            <a:endParaRPr lang="en-US"/>
+          </a:p>
+        </p:txBody>
+      </p:sp>
+      <p:pic>
+        <p:nvPicPr>
+          <p:cNvPr id="3" name="Picture 2"/>
+          <p:cNvPicPr>
+            <a:picLocks noChangeAspect="1"/>
+          </p:cNvPicPr>
+          <p:nvPr/>
+        </p:nvPicPr>
+        <p:blipFill>
+          <a:blip r:embed="rId2"/>
+          <a:stretch>
+            <a:fillRect/>
+          </a:stretch>
+        </p:blipFill>
+        <p:spPr>
+          <a:xfrm>
+            <a:off x="533400" y="1414375"/>
+            <a:ext cx="8001000" cy="4722459"/>
+          </a:xfrm>
+          <a:prstGeom prst="rect">
+            <a:avLst/>
+          </a:prstGeom>
+        </p:spPr>
+      </p:pic>
+    </p:spTree>
+    <p:extLst>
+      <p:ext uri="{BB962C8B-B14F-4D97-AF65-F5344CB8AC3E}">
+        <p14:creationId xmlns:p14="http://schemas.microsoft.com/office/powerpoint/2010/main" val="3081573434"/>
+      </p:ext>
+    </p:extLst>
+  </p:cSld>
+  <p:clrMapOvr>
+    <a:masterClrMapping/>
+  </p:clrMapOvr>
+  <p:transition/>
+  <p:timing>
+    <p:tnLst>
+      <p:par>
+        <p:cTn id="1" dur="indefinite" restart="never" nodeType="tmRoot"/>
+      </p:par>
+    </p:tnLst>
+  </p:timing>
+</p:sld>
+</file>
+
+<file path=ppt/slides/slide24.xml><?xml version="1.0" encoding="utf-8"?>
+<p:sld xmlns:a="http://schemas.openxmlformats.org/drawingml/2006/main" xmlns:r="http://schemas.openxmlformats.org/officeDocument/2006/relationships" xmlns:p="http://schemas.openxmlformats.org/presentationml/2006/main">
+  <p:cSld>
+    <p:spTree>
+      <p:nvGrpSpPr>
+        <p:cNvPr id="1" name=""/>
+        <p:cNvGrpSpPr/>
+        <p:nvPr/>
+      </p:nvGrpSpPr>
+      <p:grpSpPr>
+        <a:xfrm>
+          <a:off x="0" y="0"/>
+          <a:ext cx="0" cy="0"/>
+          <a:chOff x="0" y="0"/>
+          <a:chExt cx="0" cy="0"/>
+        </a:xfrm>
+      </p:grpSpPr>
+      <p:sp>
+        <p:nvSpPr>
+          <p:cNvPr id="2" name="Title 1"/>
+          <p:cNvSpPr>
+            <a:spLocks noGrp="1"/>
+          </p:cNvSpPr>
+          <p:nvPr>
+            <p:ph type="title"/>
+          </p:nvPr>
+        </p:nvSpPr>
+        <p:spPr/>
+        <p:txBody>
+          <a:bodyPr/>
+          <a:lstStyle/>
+          <a:p>
+            <a:r>
+              <a:rPr lang="en-US" dirty="0" smtClean="0"/>
+              <a:t>Nuclear Data Processing</a:t>
+            </a:r>
+            <a:endParaRPr lang="en-US" dirty="0"/>
+          </a:p>
+        </p:txBody>
+      </p:sp>
+      <p:sp>
+        <p:nvSpPr>
+          <p:cNvPr id="4" name="Slide Number Placeholder 3"/>
+          <p:cNvSpPr>
+            <a:spLocks noGrp="1"/>
+          </p:cNvSpPr>
+          <p:nvPr>
+            <p:ph type="sldNum" sz="quarter" idx="10"/>
+          </p:nvPr>
+        </p:nvSpPr>
+        <p:spPr/>
+        <p:txBody>
+          <a:bodyPr/>
+          <a:lstStyle/>
+          <a:p>
+            <a:pPr>
+              <a:defRPr/>
+            </a:pPr>
+            <a:fld id="{19845459-3F1B-4F43-8FC0-35ADCE8623CC}" type="slidenum">
+              <a:rPr lang="en-US" smtClean="0"/>
+              <a:pPr>
+                <a:defRPr/>
+              </a:pPr>
+              <a:t>24</a:t>
+            </a:fld>
+            <a:endParaRPr lang="en-US"/>
+          </a:p>
+        </p:txBody>
+      </p:sp>
+      <p:pic>
+        <p:nvPicPr>
+          <p:cNvPr id="5" name="Picture 4"/>
+          <p:cNvPicPr>
+            <a:picLocks noChangeAspect="1"/>
+          </p:cNvPicPr>
+          <p:nvPr/>
+        </p:nvPicPr>
+        <p:blipFill>
+          <a:blip r:embed="rId2">
+            <a:extLst>
+              <a:ext uri="{28A0092B-C50C-407E-A947-70E740481C1C}">
+                <a14:useLocalDpi xmlns:a14="http://schemas.microsoft.com/office/drawing/2010/main" val="0"/>
+              </a:ext>
+            </a:extLst>
+          </a:blip>
+          <a:stretch>
+            <a:fillRect/>
+          </a:stretch>
+        </p:blipFill>
+        <p:spPr>
+          <a:xfrm>
+            <a:off x="838200" y="1447800"/>
+            <a:ext cx="7642579" cy="4816475"/>
+          </a:xfrm>
+          <a:prstGeom prst="rect">
+            <a:avLst/>
+          </a:prstGeom>
+        </p:spPr>
+      </p:pic>
+    </p:spTree>
+    <p:extLst>
+      <p:ext uri="{BB962C8B-B14F-4D97-AF65-F5344CB8AC3E}">
+        <p14:creationId xmlns:p14="http://schemas.microsoft.com/office/powerpoint/2010/main" val="1823810242"/>
+      </p:ext>
+    </p:extLst>
   </p:cSld>
   <p:clrMapOvr>
     <a:masterClrMapping/>
@@ -5926,7 +6794,6 @@
               <a:rPr lang="en-US" dirty="0" smtClean="0"/>
               <a:t>Introductions</a:t>
             </a:r>
-            <a:endParaRPr lang="en-US" dirty="0" smtClean="0"/>
           </a:p>
         </p:txBody>
       </p:sp>
@@ -6021,23 +6888,21 @@
           <a:p>
             <a:r>
               <a:rPr lang="en-US" dirty="0"/>
-              <a:t>Master’s Research Interest:</a:t>
-            </a:r>
-          </a:p>
-          <a:p>
-            <a:r>
-              <a:rPr lang="en-US" dirty="0"/>
-              <a:t>Coding experience</a:t>
-            </a:r>
-            <a:r>
-              <a:rPr lang="en-US" dirty="0" smtClean="0"/>
-              <a:t>:</a:t>
-            </a:r>
-          </a:p>
-          <a:p>
-            <a:r>
-              <a:rPr lang="en-US" dirty="0" smtClean="0"/>
-              <a:t>If I could learn _____ in this course, I would die happy.</a:t>
+              <a:t>Master’s Research </a:t>
+            </a:r>
+            <a:r>
+              <a:rPr lang="en-US" dirty="0" smtClean="0"/>
+              <a:t>Interest:</a:t>
+            </a:r>
+          </a:p>
+          <a:p>
+            <a:r>
+              <a:rPr lang="en-US" dirty="0" smtClean="0"/>
+              <a:t>Surprising fact about me is _____</a:t>
+            </a:r>
+            <a:r>
+              <a:rPr lang="en-US" dirty="0" smtClean="0"/>
+              <a:t>.</a:t>
             </a:r>
             <a:endParaRPr lang="en-US" dirty="0" smtClean="0"/>
           </a:p>
@@ -6053,7 +6918,6 @@
               <a:rPr lang="en-US" dirty="0" smtClean="0"/>
               <a:t>	</a:t>
             </a:r>
-            <a:endParaRPr lang="en-US" dirty="0" smtClean="0"/>
           </a:p>
         </p:txBody>
       </p:sp>
@@ -6254,7 +7118,6 @@
               <a:rPr lang="en-US" dirty="0" smtClean="0"/>
               <a:t>Bevins Research Interests</a:t>
             </a:r>
-            <a:endParaRPr lang="en-US" dirty="0" smtClean="0"/>
           </a:p>
         </p:txBody>
       </p:sp>
@@ -7035,7 +7898,6 @@
               <a:rPr lang="en-US" dirty="0" smtClean="0"/>
               <a:t>Syllabus</a:t>
             </a:r>
-            <a:endParaRPr lang="en-US" dirty="0" smtClean="0"/>
           </a:p>
         </p:txBody>
       </p:sp>
@@ -8006,13 +8868,8 @@
             </a:pPr>
             <a:r>
               <a:rPr lang="en-US" sz="2400" dirty="0" smtClean="0"/>
-              <a:t> Why teach </a:t>
-            </a:r>
-            <a:r>
-              <a:rPr lang="en-US" sz="2400" dirty="0" smtClean="0"/>
-              <a:t>Python?</a:t>
-            </a:r>
-            <a:endParaRPr lang="en-US" sz="2400" dirty="0" smtClean="0"/>
+              <a:t> Why teach Python?</a:t>
+            </a:r>
           </a:p>
           <a:p>
             <a:endParaRPr lang="en-US" sz="2400" dirty="0" smtClean="0"/>
@@ -8037,11 +8894,7 @@
             </a:pPr>
             <a:r>
               <a:rPr lang="en-US" sz="2400" dirty="0" smtClean="0"/>
-              <a:t> Why can’t we learn </a:t>
-            </a:r>
-            <a:r>
-              <a:rPr lang="en-US" sz="2400" dirty="0" smtClean="0"/>
-              <a:t>_________?</a:t>
+              <a:t> Why can’t we learn _________?</a:t>
             </a:r>
           </a:p>
           <a:p>
@@ -8058,7 +8911,11 @@
             </a:pPr>
             <a:r>
               <a:rPr lang="en-US" sz="2400" dirty="0" smtClean="0"/>
-              <a:t>What language can I learn and never have to worry about another language? </a:t>
+              <a:t> What </a:t>
+            </a:r>
+            <a:r>
+              <a:rPr lang="en-US" sz="2400" dirty="0" smtClean="0"/>
+              <a:t>language can I learn and never have to worry about another language? </a:t>
             </a:r>
             <a:endParaRPr lang="en-US" sz="2400" dirty="0"/>
           </a:p>
@@ -8256,13 +9113,8 @@
           <a:p>
             <a:r>
               <a:rPr lang="en-US" dirty="0" smtClean="0"/>
-              <a:t>Post NENG </a:t>
-            </a:r>
-            <a:r>
-              <a:rPr lang="en-US" dirty="0" smtClean="0"/>
-              <a:t>685</a:t>
-            </a:r>
-            <a:endParaRPr lang="en-US" dirty="0" smtClean="0"/>
+              <a:t>Post NENG 685</a:t>
+            </a:r>
           </a:p>
         </p:txBody>
       </p:sp>
@@ -8376,15 +9228,7 @@
           <a:p>
             <a:r>
               <a:rPr lang="en-US" dirty="0" smtClean="0"/>
-              <a:t>The </a:t>
-            </a:r>
-            <a:r>
-              <a:rPr lang="en-US" dirty="0" smtClean="0"/>
-              <a:t>(AFIT) NE Computational </a:t>
-            </a:r>
-            <a:r>
-              <a:rPr lang="en-US" dirty="0" smtClean="0"/>
-              <a:t>Toolbox</a:t>
+              <a:t>The (AFIT) NE Computational Toolbox</a:t>
             </a:r>
           </a:p>
         </p:txBody>
@@ -8445,11 +9289,7 @@
             </a:pPr>
             <a:r>
               <a:rPr lang="en-US" sz="2800" dirty="0" smtClean="0"/>
-              <a:t> FORTRAN </a:t>
-            </a:r>
-            <a:r>
-              <a:rPr lang="en-US" sz="2800" dirty="0" smtClean="0"/>
-              <a:t>(MS </a:t>
+              <a:t> FORTRAN (MS </a:t>
             </a:r>
             <a:r>
               <a:rPr lang="en-US" sz="2800" dirty="0" err="1" smtClean="0"/>
@@ -8484,11 +9324,7 @@
             </a:pPr>
             <a:r>
               <a:rPr lang="en-US" sz="2800" dirty="0" smtClean="0"/>
-              <a:t> </a:t>
-            </a:r>
-            <a:r>
-              <a:rPr lang="en-US" sz="2800" dirty="0" smtClean="0"/>
-              <a:t>C++ (MS </a:t>
+              <a:t> C++ (MS </a:t>
             </a:r>
             <a:r>
               <a:rPr lang="en-US" sz="2800" dirty="0" err="1" smtClean="0"/>
@@ -8529,17 +9365,8 @@
             </a:pPr>
             <a:r>
               <a:rPr lang="en-US" sz="2800" dirty="0" smtClean="0"/>
-              <a:t> </a:t>
-            </a:r>
-            <a:r>
-              <a:rPr lang="en-US" sz="2800" dirty="0" smtClean="0"/>
-              <a:t>Nuclear Engineering </a:t>
-            </a:r>
-            <a:r>
-              <a:rPr lang="en-US" sz="2800" dirty="0" smtClean="0"/>
-              <a:t>Codes (relevant to NENG 685)</a:t>
-            </a:r>
-            <a:endParaRPr lang="en-US" sz="2800" dirty="0" smtClean="0"/>
+              <a:t> Nuclear Engineering Codes (relevant to NENG 685)</a:t>
+            </a:r>
           </a:p>
           <a:p>
             <a:pPr marL="971550" lvl="1" indent="-514350">
@@ -8566,11 +9393,7 @@
             </a:pPr>
             <a:r>
               <a:rPr lang="en-US" sz="2800" dirty="0" smtClean="0"/>
-              <a:t> GEANT (C</a:t>
-            </a:r>
-            <a:r>
-              <a:rPr lang="en-US" sz="2800" dirty="0" smtClean="0"/>
-              <a:t>++)</a:t>
+              <a:t> GEANT (C++)</a:t>
             </a:r>
           </a:p>
           <a:p>
@@ -8589,7 +9412,6 @@
               <a:rPr lang="en-US" sz="2800" dirty="0" smtClean="0"/>
               <a:t>/ADVANTG (C++)</a:t>
             </a:r>
-            <a:endParaRPr lang="en-US" sz="2800" dirty="0" smtClean="0"/>
           </a:p>
         </p:txBody>
       </p:sp>
